--- a/docs/AchievmentsHunters.pptx
+++ b/docs/AchievmentsHunters.pptx
@@ -4,9 +4,16 @@
   <p:sldMasterIdLst>
     <p:sldMasterId id="2147483648" r:id="rId1"/>
   </p:sldMasterIdLst>
+  <p:notesMasterIdLst>
+    <p:notesMasterId r:id="rId8"/>
+  </p:notesMasterIdLst>
   <p:sldIdLst>
     <p:sldId id="256" r:id="rId2"/>
     <p:sldId id="257" r:id="rId3"/>
+    <p:sldId id="258" r:id="rId4"/>
+    <p:sldId id="259" r:id="rId5"/>
+    <p:sldId id="260" r:id="rId6"/>
+    <p:sldId id="261" r:id="rId7"/>
   </p:sldIdLst>
   <p:sldSz cx="12192000" cy="6858000"/>
   <p:notesSz cx="6858000" cy="9144000"/>
@@ -105,7 +112,730 @@
       </a:defRPr>
     </a:lvl9pPr>
   </p:defaultTextStyle>
+  <p:extLst>
+    <p:ext uri="{EFAFB233-063F-42B5-8137-9DF3F51BA10A}">
+      <p15:sldGuideLst xmlns:p15="http://schemas.microsoft.com/office/powerpoint/2012/main"/>
+    </p:ext>
+  </p:extLst>
 </p:presentation>
+</file>
+
+<file path=ppt/notesMasters/notesMaster1.xml><?xml version="1.0" encoding="utf-8"?>
+<p:notesMaster xmlns:a="http://schemas.openxmlformats.org/drawingml/2006/main" xmlns:r="http://schemas.openxmlformats.org/officeDocument/2006/relationships" xmlns:p="http://schemas.openxmlformats.org/presentationml/2006/main">
+  <p:cSld>
+    <p:bg>
+      <p:bgRef idx="1001">
+        <a:schemeClr val="bg1"/>
+      </p:bgRef>
+    </p:bg>
+    <p:spTree>
+      <p:nvGrpSpPr>
+        <p:cNvPr id="1" name=""/>
+        <p:cNvGrpSpPr/>
+        <p:nvPr/>
+      </p:nvGrpSpPr>
+      <p:grpSpPr>
+        <a:xfrm>
+          <a:off x="0" y="0"/>
+          <a:ext cx="0" cy="0"/>
+          <a:chOff x="0" y="0"/>
+          <a:chExt cx="0" cy="0"/>
+        </a:xfrm>
+      </p:grpSpPr>
+      <p:sp>
+        <p:nvSpPr>
+          <p:cNvPr id="2" name="Верхний колонтитул 1"/>
+          <p:cNvSpPr>
+            <a:spLocks noGrp="1"/>
+          </p:cNvSpPr>
+          <p:nvPr>
+            <p:ph type="hdr" sz="quarter"/>
+          </p:nvPr>
+        </p:nvSpPr>
+        <p:spPr>
+          <a:xfrm>
+            <a:off x="0" y="0"/>
+            <a:ext cx="2971800" cy="458788"/>
+          </a:xfrm>
+          <a:prstGeom prst="rect">
+            <a:avLst/>
+          </a:prstGeom>
+        </p:spPr>
+        <p:txBody>
+          <a:bodyPr vert="horz" lIns="91440" tIns="45720" rIns="91440" bIns="45720" rtlCol="0"/>
+          <a:lstStyle>
+            <a:lvl1pPr algn="l">
+              <a:defRPr sz="1200"/>
+            </a:lvl1pPr>
+          </a:lstStyle>
+          <a:p>
+            <a:endParaRPr lang="uk-UA"/>
+          </a:p>
+        </p:txBody>
+      </p:sp>
+      <p:sp>
+        <p:nvSpPr>
+          <p:cNvPr id="3" name="Дата 2"/>
+          <p:cNvSpPr>
+            <a:spLocks noGrp="1"/>
+          </p:cNvSpPr>
+          <p:nvPr>
+            <p:ph type="dt" idx="1"/>
+          </p:nvPr>
+        </p:nvSpPr>
+        <p:spPr>
+          <a:xfrm>
+            <a:off x="3884613" y="0"/>
+            <a:ext cx="2971800" cy="458788"/>
+          </a:xfrm>
+          <a:prstGeom prst="rect">
+            <a:avLst/>
+          </a:prstGeom>
+        </p:spPr>
+        <p:txBody>
+          <a:bodyPr vert="horz" lIns="91440" tIns="45720" rIns="91440" bIns="45720" rtlCol="0"/>
+          <a:lstStyle>
+            <a:lvl1pPr algn="r">
+              <a:defRPr sz="1200"/>
+            </a:lvl1pPr>
+          </a:lstStyle>
+          <a:p>
+            <a:fld id="{8DCB0F1D-986B-44AD-AD19-90C71C8A8202}" type="datetimeFigureOut">
+              <a:rPr lang="uk-UA" smtClean="0"/>
+              <a:t>04.10.2021</a:t>
+            </a:fld>
+            <a:endParaRPr lang="uk-UA"/>
+          </a:p>
+        </p:txBody>
+      </p:sp>
+      <p:sp>
+        <p:nvSpPr>
+          <p:cNvPr id="4" name="Образ слайда 3"/>
+          <p:cNvSpPr>
+            <a:spLocks noGrp="1" noRot="1" noChangeAspect="1"/>
+          </p:cNvSpPr>
+          <p:nvPr>
+            <p:ph type="sldImg" idx="2"/>
+          </p:nvPr>
+        </p:nvSpPr>
+        <p:spPr>
+          <a:xfrm>
+            <a:off x="685800" y="1143000"/>
+            <a:ext cx="5486400" cy="3086100"/>
+          </a:xfrm>
+          <a:prstGeom prst="rect">
+            <a:avLst/>
+          </a:prstGeom>
+          <a:noFill/>
+          <a:ln w="12700">
+            <a:solidFill>
+              <a:prstClr val="black"/>
+            </a:solidFill>
+          </a:ln>
+        </p:spPr>
+        <p:txBody>
+          <a:bodyPr vert="horz" lIns="91440" tIns="45720" rIns="91440" bIns="45720" rtlCol="0" anchor="ctr"/>
+          <a:lstStyle/>
+          <a:p>
+            <a:endParaRPr lang="uk-UA"/>
+          </a:p>
+        </p:txBody>
+      </p:sp>
+      <p:sp>
+        <p:nvSpPr>
+          <p:cNvPr id="5" name="Заметки 4"/>
+          <p:cNvSpPr>
+            <a:spLocks noGrp="1"/>
+          </p:cNvSpPr>
+          <p:nvPr>
+            <p:ph type="body" sz="quarter" idx="3"/>
+          </p:nvPr>
+        </p:nvSpPr>
+        <p:spPr>
+          <a:xfrm>
+            <a:off x="685800" y="4400550"/>
+            <a:ext cx="5486400" cy="3600450"/>
+          </a:xfrm>
+          <a:prstGeom prst="rect">
+            <a:avLst/>
+          </a:prstGeom>
+        </p:spPr>
+        <p:txBody>
+          <a:bodyPr vert="horz" lIns="91440" tIns="45720" rIns="91440" bIns="45720" rtlCol="0"/>
+          <a:lstStyle/>
+          <a:p>
+            <a:pPr lvl="0"/>
+            <a:r>
+              <a:rPr lang="ru-RU" smtClean="0"/>
+              <a:t>Образец текста</a:t>
+            </a:r>
+          </a:p>
+          <a:p>
+            <a:pPr lvl="1"/>
+            <a:r>
+              <a:rPr lang="ru-RU" smtClean="0"/>
+              <a:t>Второй уровень</a:t>
+            </a:r>
+          </a:p>
+          <a:p>
+            <a:pPr lvl="2"/>
+            <a:r>
+              <a:rPr lang="ru-RU" smtClean="0"/>
+              <a:t>Третий уровень</a:t>
+            </a:r>
+          </a:p>
+          <a:p>
+            <a:pPr lvl="3"/>
+            <a:r>
+              <a:rPr lang="ru-RU" smtClean="0"/>
+              <a:t>Четвертый уровень</a:t>
+            </a:r>
+          </a:p>
+          <a:p>
+            <a:pPr lvl="4"/>
+            <a:r>
+              <a:rPr lang="ru-RU" smtClean="0"/>
+              <a:t>Пятый уровень</a:t>
+            </a:r>
+            <a:endParaRPr lang="uk-UA"/>
+          </a:p>
+        </p:txBody>
+      </p:sp>
+      <p:sp>
+        <p:nvSpPr>
+          <p:cNvPr id="6" name="Нижний колонтитул 5"/>
+          <p:cNvSpPr>
+            <a:spLocks noGrp="1"/>
+          </p:cNvSpPr>
+          <p:nvPr>
+            <p:ph type="ftr" sz="quarter" idx="4"/>
+          </p:nvPr>
+        </p:nvSpPr>
+        <p:spPr>
+          <a:xfrm>
+            <a:off x="0" y="8685213"/>
+            <a:ext cx="2971800" cy="458787"/>
+          </a:xfrm>
+          <a:prstGeom prst="rect">
+            <a:avLst/>
+          </a:prstGeom>
+        </p:spPr>
+        <p:txBody>
+          <a:bodyPr vert="horz" lIns="91440" tIns="45720" rIns="91440" bIns="45720" rtlCol="0" anchor="b"/>
+          <a:lstStyle>
+            <a:lvl1pPr algn="l">
+              <a:defRPr sz="1200"/>
+            </a:lvl1pPr>
+          </a:lstStyle>
+          <a:p>
+            <a:endParaRPr lang="uk-UA"/>
+          </a:p>
+        </p:txBody>
+      </p:sp>
+      <p:sp>
+        <p:nvSpPr>
+          <p:cNvPr id="7" name="Номер слайда 6"/>
+          <p:cNvSpPr>
+            <a:spLocks noGrp="1"/>
+          </p:cNvSpPr>
+          <p:nvPr>
+            <p:ph type="sldNum" sz="quarter" idx="5"/>
+          </p:nvPr>
+        </p:nvSpPr>
+        <p:spPr>
+          <a:xfrm>
+            <a:off x="3884613" y="8685213"/>
+            <a:ext cx="2971800" cy="458787"/>
+          </a:xfrm>
+          <a:prstGeom prst="rect">
+            <a:avLst/>
+          </a:prstGeom>
+        </p:spPr>
+        <p:txBody>
+          <a:bodyPr vert="horz" lIns="91440" tIns="45720" rIns="91440" bIns="45720" rtlCol="0" anchor="b"/>
+          <a:lstStyle>
+            <a:lvl1pPr algn="r">
+              <a:defRPr sz="1200"/>
+            </a:lvl1pPr>
+          </a:lstStyle>
+          <a:p>
+            <a:fld id="{8A3043DD-5000-4321-9D48-3530654843FF}" type="slidenum">
+              <a:rPr lang="uk-UA" smtClean="0"/>
+              <a:t>‹#›</a:t>
+            </a:fld>
+            <a:endParaRPr lang="uk-UA"/>
+          </a:p>
+        </p:txBody>
+      </p:sp>
+    </p:spTree>
+    <p:extLst>
+      <p:ext uri="{BB962C8B-B14F-4D97-AF65-F5344CB8AC3E}">
+        <p14:creationId xmlns:p14="http://schemas.microsoft.com/office/powerpoint/2010/main" val="1524924139"/>
+      </p:ext>
+    </p:extLst>
+  </p:cSld>
+  <p:clrMap bg1="lt1" tx1="dk1" bg2="lt2" tx2="dk2" accent1="accent1" accent2="accent2" accent3="accent3" accent4="accent4" accent5="accent5" accent6="accent6" hlink="hlink" folHlink="folHlink"/>
+  <p:notesStyle>
+    <a:lvl1pPr marL="0" algn="l" defTabSz="914400" rtl="0" eaLnBrk="1" latinLnBrk="0" hangingPunct="1">
+      <a:defRPr sz="1200" kern="1200">
+        <a:solidFill>
+          <a:schemeClr val="tx1"/>
+        </a:solidFill>
+        <a:latin typeface="+mn-lt"/>
+        <a:ea typeface="+mn-ea"/>
+        <a:cs typeface="+mn-cs"/>
+      </a:defRPr>
+    </a:lvl1pPr>
+    <a:lvl2pPr marL="457200" algn="l" defTabSz="914400" rtl="0" eaLnBrk="1" latinLnBrk="0" hangingPunct="1">
+      <a:defRPr sz="1200" kern="1200">
+        <a:solidFill>
+          <a:schemeClr val="tx1"/>
+        </a:solidFill>
+        <a:latin typeface="+mn-lt"/>
+        <a:ea typeface="+mn-ea"/>
+        <a:cs typeface="+mn-cs"/>
+      </a:defRPr>
+    </a:lvl2pPr>
+    <a:lvl3pPr marL="914400" algn="l" defTabSz="914400" rtl="0" eaLnBrk="1" latinLnBrk="0" hangingPunct="1">
+      <a:defRPr sz="1200" kern="1200">
+        <a:solidFill>
+          <a:schemeClr val="tx1"/>
+        </a:solidFill>
+        <a:latin typeface="+mn-lt"/>
+        <a:ea typeface="+mn-ea"/>
+        <a:cs typeface="+mn-cs"/>
+      </a:defRPr>
+    </a:lvl3pPr>
+    <a:lvl4pPr marL="1371600" algn="l" defTabSz="914400" rtl="0" eaLnBrk="1" latinLnBrk="0" hangingPunct="1">
+      <a:defRPr sz="1200" kern="1200">
+        <a:solidFill>
+          <a:schemeClr val="tx1"/>
+        </a:solidFill>
+        <a:latin typeface="+mn-lt"/>
+        <a:ea typeface="+mn-ea"/>
+        <a:cs typeface="+mn-cs"/>
+      </a:defRPr>
+    </a:lvl4pPr>
+    <a:lvl5pPr marL="1828800" algn="l" defTabSz="914400" rtl="0" eaLnBrk="1" latinLnBrk="0" hangingPunct="1">
+      <a:defRPr sz="1200" kern="1200">
+        <a:solidFill>
+          <a:schemeClr val="tx1"/>
+        </a:solidFill>
+        <a:latin typeface="+mn-lt"/>
+        <a:ea typeface="+mn-ea"/>
+        <a:cs typeface="+mn-cs"/>
+      </a:defRPr>
+    </a:lvl5pPr>
+    <a:lvl6pPr marL="2286000" algn="l" defTabSz="914400" rtl="0" eaLnBrk="1" latinLnBrk="0" hangingPunct="1">
+      <a:defRPr sz="1200" kern="1200">
+        <a:solidFill>
+          <a:schemeClr val="tx1"/>
+        </a:solidFill>
+        <a:latin typeface="+mn-lt"/>
+        <a:ea typeface="+mn-ea"/>
+        <a:cs typeface="+mn-cs"/>
+      </a:defRPr>
+    </a:lvl6pPr>
+    <a:lvl7pPr marL="2743200" algn="l" defTabSz="914400" rtl="0" eaLnBrk="1" latinLnBrk="0" hangingPunct="1">
+      <a:defRPr sz="1200" kern="1200">
+        <a:solidFill>
+          <a:schemeClr val="tx1"/>
+        </a:solidFill>
+        <a:latin typeface="+mn-lt"/>
+        <a:ea typeface="+mn-ea"/>
+        <a:cs typeface="+mn-cs"/>
+      </a:defRPr>
+    </a:lvl7pPr>
+    <a:lvl8pPr marL="3200400" algn="l" defTabSz="914400" rtl="0" eaLnBrk="1" latinLnBrk="0" hangingPunct="1">
+      <a:defRPr sz="1200" kern="1200">
+        <a:solidFill>
+          <a:schemeClr val="tx1"/>
+        </a:solidFill>
+        <a:latin typeface="+mn-lt"/>
+        <a:ea typeface="+mn-ea"/>
+        <a:cs typeface="+mn-cs"/>
+      </a:defRPr>
+    </a:lvl8pPr>
+    <a:lvl9pPr marL="3657600" algn="l" defTabSz="914400" rtl="0" eaLnBrk="1" latinLnBrk="0" hangingPunct="1">
+      <a:defRPr sz="1200" kern="1200">
+        <a:solidFill>
+          <a:schemeClr val="tx1"/>
+        </a:solidFill>
+        <a:latin typeface="+mn-lt"/>
+        <a:ea typeface="+mn-ea"/>
+        <a:cs typeface="+mn-cs"/>
+      </a:defRPr>
+    </a:lvl9pPr>
+  </p:notesStyle>
+</p:notesMaster>
+</file>
+
+<file path=ppt/notesSlides/notesSlide1.xml><?xml version="1.0" encoding="utf-8"?>
+<p:notes xmlns:a="http://schemas.openxmlformats.org/drawingml/2006/main" xmlns:r="http://schemas.openxmlformats.org/officeDocument/2006/relationships" xmlns:p="http://schemas.openxmlformats.org/presentationml/2006/main">
+  <p:cSld>
+    <p:spTree>
+      <p:nvGrpSpPr>
+        <p:cNvPr id="1" name=""/>
+        <p:cNvGrpSpPr/>
+        <p:nvPr/>
+      </p:nvGrpSpPr>
+      <p:grpSpPr>
+        <a:xfrm>
+          <a:off x="0" y="0"/>
+          <a:ext cx="0" cy="0"/>
+          <a:chOff x="0" y="0"/>
+          <a:chExt cx="0" cy="0"/>
+        </a:xfrm>
+      </p:grpSpPr>
+      <p:sp>
+        <p:nvSpPr>
+          <p:cNvPr id="2" name="Образ слайда 1"/>
+          <p:cNvSpPr>
+            <a:spLocks noGrp="1" noRot="1" noChangeAspect="1"/>
+          </p:cNvSpPr>
+          <p:nvPr>
+            <p:ph type="sldImg"/>
+          </p:nvPr>
+        </p:nvSpPr>
+        <p:spPr/>
+      </p:sp>
+      <p:sp>
+        <p:nvSpPr>
+          <p:cNvPr id="3" name="Заметки 2"/>
+          <p:cNvSpPr>
+            <a:spLocks noGrp="1"/>
+          </p:cNvSpPr>
+          <p:nvPr>
+            <p:ph type="body" idx="1"/>
+          </p:nvPr>
+        </p:nvSpPr>
+        <p:spPr/>
+        <p:txBody>
+          <a:bodyPr/>
+          <a:lstStyle/>
+          <a:p>
+            <a:endParaRPr lang="uk-UA" dirty="0"/>
+          </a:p>
+        </p:txBody>
+      </p:sp>
+      <p:sp>
+        <p:nvSpPr>
+          <p:cNvPr id="4" name="Номер слайда 3"/>
+          <p:cNvSpPr>
+            <a:spLocks noGrp="1"/>
+          </p:cNvSpPr>
+          <p:nvPr>
+            <p:ph type="sldNum" sz="quarter" idx="10"/>
+          </p:nvPr>
+        </p:nvSpPr>
+        <p:spPr/>
+        <p:txBody>
+          <a:bodyPr/>
+          <a:lstStyle/>
+          <a:p>
+            <a:fld id="{8A3043DD-5000-4321-9D48-3530654843FF}" type="slidenum">
+              <a:rPr lang="uk-UA" smtClean="0"/>
+              <a:t>2</a:t>
+            </a:fld>
+            <a:endParaRPr lang="uk-UA"/>
+          </a:p>
+        </p:txBody>
+      </p:sp>
+    </p:spTree>
+    <p:extLst>
+      <p:ext uri="{BB962C8B-B14F-4D97-AF65-F5344CB8AC3E}">
+        <p14:creationId xmlns:p14="http://schemas.microsoft.com/office/powerpoint/2010/main" val="690721752"/>
+      </p:ext>
+    </p:extLst>
+  </p:cSld>
+  <p:clrMapOvr>
+    <a:masterClrMapping/>
+  </p:clrMapOvr>
+</p:notes>
+</file>
+
+<file path=ppt/notesSlides/notesSlide2.xml><?xml version="1.0" encoding="utf-8"?>
+<p:notes xmlns:a="http://schemas.openxmlformats.org/drawingml/2006/main" xmlns:r="http://schemas.openxmlformats.org/officeDocument/2006/relationships" xmlns:p="http://schemas.openxmlformats.org/presentationml/2006/main">
+  <p:cSld>
+    <p:spTree>
+      <p:nvGrpSpPr>
+        <p:cNvPr id="1" name=""/>
+        <p:cNvGrpSpPr/>
+        <p:nvPr/>
+      </p:nvGrpSpPr>
+      <p:grpSpPr>
+        <a:xfrm>
+          <a:off x="0" y="0"/>
+          <a:ext cx="0" cy="0"/>
+          <a:chOff x="0" y="0"/>
+          <a:chExt cx="0" cy="0"/>
+        </a:xfrm>
+      </p:grpSpPr>
+      <p:sp>
+        <p:nvSpPr>
+          <p:cNvPr id="2" name="Образ слайда 1"/>
+          <p:cNvSpPr>
+            <a:spLocks noGrp="1" noRot="1" noChangeAspect="1"/>
+          </p:cNvSpPr>
+          <p:nvPr>
+            <p:ph type="sldImg"/>
+          </p:nvPr>
+        </p:nvSpPr>
+        <p:spPr/>
+      </p:sp>
+      <p:sp>
+        <p:nvSpPr>
+          <p:cNvPr id="3" name="Заметки 2"/>
+          <p:cNvSpPr>
+            <a:spLocks noGrp="1"/>
+          </p:cNvSpPr>
+          <p:nvPr>
+            <p:ph type="body" idx="1"/>
+          </p:nvPr>
+        </p:nvSpPr>
+        <p:spPr/>
+        <p:txBody>
+          <a:bodyPr/>
+          <a:lstStyle/>
+          <a:p>
+            <a:pPr marL="0" marR="0" indent="0" algn="l" defTabSz="914400" rtl="0" eaLnBrk="1" fontAlgn="auto" latinLnBrk="0" hangingPunct="1">
+              <a:lnSpc>
+                <a:spcPct val="100000"/>
+              </a:lnSpc>
+              <a:spcBef>
+                <a:spcPts val="0"/>
+              </a:spcBef>
+              <a:spcAft>
+                <a:spcPts val="0"/>
+              </a:spcAft>
+              <a:buClrTx/>
+              <a:buSzTx/>
+              <a:buFontTx/>
+              <a:buNone/>
+              <a:tabLst/>
+              <a:defRPr/>
+            </a:pPr>
+            <a:r>
+              <a:rPr lang="en-US" dirty="0" smtClean="0">
+                <a:solidFill>
+                  <a:schemeClr val="bg1"/>
+                </a:solidFill>
+              </a:rPr>
+              <a:t>TO USE ENVIRONMENTAL DATA AND OTHER INFORMATION (SUCH AS EPIDEMIOLOGICAL, SOCIAL, POLICY, AND ECONOMIC DATA) TO BUILD A SMARTPHONE APPLICATION THAT PROVIDES INDIVIDUALIZED, GEOLOCATED, COVID-19 RISK WARNINGS TO GUIDE SOCIAL AWARENESS, RESPONSE, AND HEALTH SECURITY</a:t>
+            </a:r>
+            <a:endParaRPr lang="uk-UA" dirty="0" smtClean="0">
+              <a:solidFill>
+                <a:schemeClr val="bg1"/>
+              </a:solidFill>
+            </a:endParaRPr>
+          </a:p>
+          <a:p>
+            <a:endParaRPr lang="uk-UA" dirty="0"/>
+          </a:p>
+        </p:txBody>
+      </p:sp>
+      <p:sp>
+        <p:nvSpPr>
+          <p:cNvPr id="4" name="Номер слайда 3"/>
+          <p:cNvSpPr>
+            <a:spLocks noGrp="1"/>
+          </p:cNvSpPr>
+          <p:nvPr>
+            <p:ph type="sldNum" sz="quarter" idx="10"/>
+          </p:nvPr>
+        </p:nvSpPr>
+        <p:spPr/>
+        <p:txBody>
+          <a:bodyPr/>
+          <a:lstStyle/>
+          <a:p>
+            <a:fld id="{8A3043DD-5000-4321-9D48-3530654843FF}" type="slidenum">
+              <a:rPr lang="uk-UA" smtClean="0"/>
+              <a:t>3</a:t>
+            </a:fld>
+            <a:endParaRPr lang="uk-UA"/>
+          </a:p>
+        </p:txBody>
+      </p:sp>
+    </p:spTree>
+    <p:extLst>
+      <p:ext uri="{BB962C8B-B14F-4D97-AF65-F5344CB8AC3E}">
+        <p14:creationId xmlns:p14="http://schemas.microsoft.com/office/powerpoint/2010/main" val="80723844"/>
+      </p:ext>
+    </p:extLst>
+  </p:cSld>
+  <p:clrMapOvr>
+    <a:masterClrMapping/>
+  </p:clrMapOvr>
+</p:notes>
+</file>
+
+<file path=ppt/notesSlides/notesSlide3.xml><?xml version="1.0" encoding="utf-8"?>
+<p:notes xmlns:a="http://schemas.openxmlformats.org/drawingml/2006/main" xmlns:r="http://schemas.openxmlformats.org/officeDocument/2006/relationships" xmlns:p="http://schemas.openxmlformats.org/presentationml/2006/main">
+  <p:cSld>
+    <p:spTree>
+      <p:nvGrpSpPr>
+        <p:cNvPr id="1" name=""/>
+        <p:cNvGrpSpPr/>
+        <p:nvPr/>
+      </p:nvGrpSpPr>
+      <p:grpSpPr>
+        <a:xfrm>
+          <a:off x="0" y="0"/>
+          <a:ext cx="0" cy="0"/>
+          <a:chOff x="0" y="0"/>
+          <a:chExt cx="0" cy="0"/>
+        </a:xfrm>
+      </p:grpSpPr>
+      <p:sp>
+        <p:nvSpPr>
+          <p:cNvPr id="2" name="Образ слайда 1"/>
+          <p:cNvSpPr>
+            <a:spLocks noGrp="1" noRot="1" noChangeAspect="1"/>
+          </p:cNvSpPr>
+          <p:nvPr>
+            <p:ph type="sldImg"/>
+          </p:nvPr>
+        </p:nvSpPr>
+        <p:spPr/>
+      </p:sp>
+      <p:sp>
+        <p:nvSpPr>
+          <p:cNvPr id="3" name="Заметки 2"/>
+          <p:cNvSpPr>
+            <a:spLocks noGrp="1"/>
+          </p:cNvSpPr>
+          <p:nvPr>
+            <p:ph type="body" idx="1"/>
+          </p:nvPr>
+        </p:nvSpPr>
+        <p:spPr/>
+        <p:txBody>
+          <a:bodyPr/>
+          <a:lstStyle/>
+          <a:p>
+            <a:endParaRPr lang="uk-UA" dirty="0"/>
+          </a:p>
+        </p:txBody>
+      </p:sp>
+      <p:sp>
+        <p:nvSpPr>
+          <p:cNvPr id="4" name="Номер слайда 3"/>
+          <p:cNvSpPr>
+            <a:spLocks noGrp="1"/>
+          </p:cNvSpPr>
+          <p:nvPr>
+            <p:ph type="sldNum" sz="quarter" idx="10"/>
+          </p:nvPr>
+        </p:nvSpPr>
+        <p:spPr/>
+        <p:txBody>
+          <a:bodyPr/>
+          <a:lstStyle/>
+          <a:p>
+            <a:fld id="{8A3043DD-5000-4321-9D48-3530654843FF}" type="slidenum">
+              <a:rPr lang="uk-UA" smtClean="0"/>
+              <a:t>5</a:t>
+            </a:fld>
+            <a:endParaRPr lang="uk-UA"/>
+          </a:p>
+        </p:txBody>
+      </p:sp>
+    </p:spTree>
+    <p:extLst>
+      <p:ext uri="{BB962C8B-B14F-4D97-AF65-F5344CB8AC3E}">
+        <p14:creationId xmlns:p14="http://schemas.microsoft.com/office/powerpoint/2010/main" val="2345655257"/>
+      </p:ext>
+    </p:extLst>
+  </p:cSld>
+  <p:clrMapOvr>
+    <a:masterClrMapping/>
+  </p:clrMapOvr>
+</p:notes>
+</file>
+
+<file path=ppt/notesSlides/notesSlide4.xml><?xml version="1.0" encoding="utf-8"?>
+<p:notes xmlns:a="http://schemas.openxmlformats.org/drawingml/2006/main" xmlns:r="http://schemas.openxmlformats.org/officeDocument/2006/relationships" xmlns:p="http://schemas.openxmlformats.org/presentationml/2006/main">
+  <p:cSld>
+    <p:spTree>
+      <p:nvGrpSpPr>
+        <p:cNvPr id="1" name=""/>
+        <p:cNvGrpSpPr/>
+        <p:nvPr/>
+      </p:nvGrpSpPr>
+      <p:grpSpPr>
+        <a:xfrm>
+          <a:off x="0" y="0"/>
+          <a:ext cx="0" cy="0"/>
+          <a:chOff x="0" y="0"/>
+          <a:chExt cx="0" cy="0"/>
+        </a:xfrm>
+      </p:grpSpPr>
+      <p:sp>
+        <p:nvSpPr>
+          <p:cNvPr id="2" name="Образ слайда 1"/>
+          <p:cNvSpPr>
+            <a:spLocks noGrp="1" noRot="1" noChangeAspect="1"/>
+          </p:cNvSpPr>
+          <p:nvPr>
+            <p:ph type="sldImg"/>
+          </p:nvPr>
+        </p:nvSpPr>
+        <p:spPr/>
+      </p:sp>
+      <p:sp>
+        <p:nvSpPr>
+          <p:cNvPr id="3" name="Заметки 2"/>
+          <p:cNvSpPr>
+            <a:spLocks noGrp="1"/>
+          </p:cNvSpPr>
+          <p:nvPr>
+            <p:ph type="body" idx="1"/>
+          </p:nvPr>
+        </p:nvSpPr>
+        <p:spPr/>
+        <p:txBody>
+          <a:bodyPr/>
+          <a:lstStyle/>
+          <a:p>
+            <a:endParaRPr lang="uk-UA" dirty="0"/>
+          </a:p>
+        </p:txBody>
+      </p:sp>
+      <p:sp>
+        <p:nvSpPr>
+          <p:cNvPr id="4" name="Номер слайда 3"/>
+          <p:cNvSpPr>
+            <a:spLocks noGrp="1"/>
+          </p:cNvSpPr>
+          <p:nvPr>
+            <p:ph type="sldNum" sz="quarter" idx="10"/>
+          </p:nvPr>
+        </p:nvSpPr>
+        <p:spPr/>
+        <p:txBody>
+          <a:bodyPr/>
+          <a:lstStyle/>
+          <a:p>
+            <a:fld id="{8A3043DD-5000-4321-9D48-3530654843FF}" type="slidenum">
+              <a:rPr lang="uk-UA" smtClean="0"/>
+              <a:t>6</a:t>
+            </a:fld>
+            <a:endParaRPr lang="uk-UA"/>
+          </a:p>
+        </p:txBody>
+      </p:sp>
+    </p:spTree>
+    <p:extLst>
+      <p:ext uri="{BB962C8B-B14F-4D97-AF65-F5344CB8AC3E}">
+        <p14:creationId xmlns:p14="http://schemas.microsoft.com/office/powerpoint/2010/main" val="2457638506"/>
+      </p:ext>
+    </p:extLst>
+  </p:cSld>
+  <p:clrMapOvr>
+    <a:masterClrMapping/>
+  </p:clrMapOvr>
+</p:notes>
 </file>
 
 <file path=ppt/slideLayouts/slideLayout1.xml><?xml version="1.0" encoding="utf-8"?>
@@ -239,7 +969,7 @@
           <a:p>
             <a:fld id="{086E4081-731C-4E81-A3A0-2D6C0895AFB7}" type="datetimeFigureOut">
               <a:rPr lang="uk-UA" smtClean="0"/>
-              <a:t>03.10.2021</a:t>
+              <a:t>04.10.2021</a:t>
             </a:fld>
             <a:endParaRPr lang="uk-UA"/>
           </a:p>
@@ -409,7 +1139,7 @@
           <a:p>
             <a:fld id="{086E4081-731C-4E81-A3A0-2D6C0895AFB7}" type="datetimeFigureOut">
               <a:rPr lang="uk-UA" smtClean="0"/>
-              <a:t>03.10.2021</a:t>
+              <a:t>04.10.2021</a:t>
             </a:fld>
             <a:endParaRPr lang="uk-UA"/>
           </a:p>
@@ -589,7 +1319,7 @@
           <a:p>
             <a:fld id="{086E4081-731C-4E81-A3A0-2D6C0895AFB7}" type="datetimeFigureOut">
               <a:rPr lang="uk-UA" smtClean="0"/>
-              <a:t>03.10.2021</a:t>
+              <a:t>04.10.2021</a:t>
             </a:fld>
             <a:endParaRPr lang="uk-UA"/>
           </a:p>
@@ -759,7 +1489,7 @@
           <a:p>
             <a:fld id="{086E4081-731C-4E81-A3A0-2D6C0895AFB7}" type="datetimeFigureOut">
               <a:rPr lang="uk-UA" smtClean="0"/>
-              <a:t>03.10.2021</a:t>
+              <a:t>04.10.2021</a:t>
             </a:fld>
             <a:endParaRPr lang="uk-UA"/>
           </a:p>
@@ -1005,7 +1735,7 @@
           <a:p>
             <a:fld id="{086E4081-731C-4E81-A3A0-2D6C0895AFB7}" type="datetimeFigureOut">
               <a:rPr lang="uk-UA" smtClean="0"/>
-              <a:t>03.10.2021</a:t>
+              <a:t>04.10.2021</a:t>
             </a:fld>
             <a:endParaRPr lang="uk-UA"/>
           </a:p>
@@ -1237,7 +1967,7 @@
           <a:p>
             <a:fld id="{086E4081-731C-4E81-A3A0-2D6C0895AFB7}" type="datetimeFigureOut">
               <a:rPr lang="uk-UA" smtClean="0"/>
-              <a:t>03.10.2021</a:t>
+              <a:t>04.10.2021</a:t>
             </a:fld>
             <a:endParaRPr lang="uk-UA"/>
           </a:p>
@@ -1604,7 +2334,7 @@
           <a:p>
             <a:fld id="{086E4081-731C-4E81-A3A0-2D6C0895AFB7}" type="datetimeFigureOut">
               <a:rPr lang="uk-UA" smtClean="0"/>
-              <a:t>03.10.2021</a:t>
+              <a:t>04.10.2021</a:t>
             </a:fld>
             <a:endParaRPr lang="uk-UA"/>
           </a:p>
@@ -1722,7 +2452,7 @@
           <a:p>
             <a:fld id="{086E4081-731C-4E81-A3A0-2D6C0895AFB7}" type="datetimeFigureOut">
               <a:rPr lang="uk-UA" smtClean="0"/>
-              <a:t>03.10.2021</a:t>
+              <a:t>04.10.2021</a:t>
             </a:fld>
             <a:endParaRPr lang="uk-UA"/>
           </a:p>
@@ -1817,7 +2547,7 @@
           <a:p>
             <a:fld id="{086E4081-731C-4E81-A3A0-2D6C0895AFB7}" type="datetimeFigureOut">
               <a:rPr lang="uk-UA" smtClean="0"/>
-              <a:t>03.10.2021</a:t>
+              <a:t>04.10.2021</a:t>
             </a:fld>
             <a:endParaRPr lang="uk-UA"/>
           </a:p>
@@ -2094,7 +2824,7 @@
           <a:p>
             <a:fld id="{086E4081-731C-4E81-A3A0-2D6C0895AFB7}" type="datetimeFigureOut">
               <a:rPr lang="uk-UA" smtClean="0"/>
-              <a:t>03.10.2021</a:t>
+              <a:t>04.10.2021</a:t>
             </a:fld>
             <a:endParaRPr lang="uk-UA"/>
           </a:p>
@@ -2347,7 +3077,7 @@
           <a:p>
             <a:fld id="{086E4081-731C-4E81-A3A0-2D6C0895AFB7}" type="datetimeFigureOut">
               <a:rPr lang="uk-UA" smtClean="0"/>
-              <a:t>03.10.2021</a:t>
+              <a:t>04.10.2021</a:t>
             </a:fld>
             <a:endParaRPr lang="uk-UA"/>
           </a:p>
@@ -2418,8 +3148,8 @@
             <a:gs pos="20000">
               <a:schemeClr val="tx1"/>
             </a:gs>
-            <a:gs pos="67000">
-              <a:srgbClr val="12081A"/>
+            <a:gs pos="79000">
+              <a:srgbClr val="002060"/>
             </a:gs>
           </a:gsLst>
           <a:lin ang="7800000" scaled="0"/>
@@ -2572,7 +3302,7 @@
           <a:p>
             <a:fld id="{086E4081-731C-4E81-A3A0-2D6C0895AFB7}" type="datetimeFigureOut">
               <a:rPr lang="uk-UA" smtClean="0"/>
-              <a:t>03.10.2021</a:t>
+              <a:t>04.10.2021</a:t>
             </a:fld>
             <a:endParaRPr lang="uk-UA"/>
           </a:p>
@@ -2987,31 +3717,52 @@
             <p:ph type="ctrTitle"/>
           </p:nvPr>
         </p:nvSpPr>
+        <p:spPr>
+          <a:xfrm>
+            <a:off x="997528" y="2537547"/>
+            <a:ext cx="9919855" cy="2387600"/>
+          </a:xfrm>
+        </p:spPr>
+        <p:txBody>
+          <a:bodyPr>
+            <a:normAutofit fontScale="90000"/>
+          </a:bodyPr>
+          <a:lstStyle/>
+          <a:p>
+            <a:r>
+              <a:rPr lang="en-US" sz="11500" b="1" dirty="0" smtClean="0">
+                <a:solidFill>
+                  <a:schemeClr val="bg1"/>
+                </a:solidFill>
+                <a:latin typeface="Trebuchet MS Bold" panose="020B0703020202020204" pitchFamily="34" charset="0"/>
+              </a:rPr>
+              <a:t>CHECK YOUR CITY</a:t>
+            </a:r>
+            <a:endParaRPr lang="uk-UA" sz="11500" b="1" dirty="0">
+              <a:solidFill>
+                <a:schemeClr val="bg1"/>
+              </a:solidFill>
+              <a:latin typeface="Trebuchet MS Bold" panose="020B0703020202020204" pitchFamily="34" charset="0"/>
+            </a:endParaRPr>
+          </a:p>
+        </p:txBody>
+      </p:sp>
+      <p:sp>
+        <p:nvSpPr>
+          <p:cNvPr id="3" name="Подзаголовок 2"/>
+          <p:cNvSpPr>
+            <a:spLocks noGrp="1"/>
+          </p:cNvSpPr>
+          <p:nvPr>
+            <p:ph type="subTitle" idx="1"/>
+          </p:nvPr>
+        </p:nvSpPr>
         <p:spPr/>
         <p:txBody>
           <a:bodyPr/>
           <a:lstStyle/>
           <a:p>
-            <a:endParaRPr lang="uk-UA"/>
-          </a:p>
-        </p:txBody>
-      </p:sp>
-      <p:sp>
-        <p:nvSpPr>
-          <p:cNvPr id="3" name="Подзаголовок 2"/>
-          <p:cNvSpPr>
-            <a:spLocks noGrp="1"/>
-          </p:cNvSpPr>
-          <p:nvPr>
-            <p:ph type="subTitle" idx="1"/>
-          </p:nvPr>
-        </p:nvSpPr>
-        <p:spPr/>
-        <p:txBody>
-          <a:bodyPr/>
-          <a:lstStyle/>
-          <a:p>
-            <a:endParaRPr lang="uk-UA"/>
+            <a:endParaRPr lang="uk-UA" dirty="0"/>
           </a:p>
         </p:txBody>
       </p:sp>
@@ -3025,6 +3776,13 @@
   <p:clrMapOvr>
     <a:masterClrMapping/>
   </p:clrMapOvr>
+  <p:timing>
+    <p:tnLst>
+      <p:par>
+        <p:cTn id="1" dur="indefinite" restart="never" nodeType="tmRoot"/>
+      </p:par>
+    </p:tnLst>
+  </p:timing>
 </p:sld>
 </file>
 
@@ -3101,7 +3859,21 @@
           <a:bodyPr/>
           <a:lstStyle/>
           <a:p>
-            <a:endParaRPr lang="uk-UA"/>
+            <a:r>
+              <a:rPr lang="en-US" b="1" dirty="0" smtClean="0">
+                <a:solidFill>
+                  <a:schemeClr val="bg1"/>
+                </a:solidFill>
+                <a:latin typeface="Trebuchet MS Bold" panose="020B0703020202020204" pitchFamily="34" charset="0"/>
+              </a:rPr>
+              <a:t>PROBLEM</a:t>
+            </a:r>
+            <a:endParaRPr lang="uk-UA" b="1" dirty="0">
+              <a:solidFill>
+                <a:schemeClr val="bg1"/>
+              </a:solidFill>
+              <a:latin typeface="Trebuchet MS Bold" panose="020B0703020202020204" pitchFamily="34" charset="0"/>
+            </a:endParaRPr>
           </a:p>
         </p:txBody>
       </p:sp>
@@ -3122,17 +3894,1124 @@
           </a:xfrm>
         </p:spPr>
         <p:txBody>
-          <a:bodyPr/>
-          <a:lstStyle/>
-          <a:p>
-            <a:endParaRPr lang="uk-UA" dirty="0"/>
-          </a:p>
-        </p:txBody>
-      </p:sp>
+          <a:bodyPr>
+            <a:normAutofit/>
+          </a:bodyPr>
+          <a:lstStyle/>
+          <a:p>
+            <a:pPr marL="0" indent="0" algn="ctr">
+              <a:lnSpc>
+                <a:spcPct val="150000"/>
+              </a:lnSpc>
+              <a:buNone/>
+            </a:pPr>
+            <a:r>
+              <a:rPr lang="en-US" dirty="0" smtClean="0">
+                <a:solidFill>
+                  <a:schemeClr val="bg1"/>
+                </a:solidFill>
+              </a:rPr>
+              <a:t>COVID-19 CONTINUES TO BE A GLOBAL PROBLEM EVEN THOUGH VACCINATION EFFORTS ARE UNDERWAY TO CONTROL ITS PROPAGATION</a:t>
+            </a:r>
+            <a:endParaRPr lang="uk-UA" dirty="0">
+              <a:solidFill>
+                <a:schemeClr val="bg1"/>
+              </a:solidFill>
+            </a:endParaRPr>
+          </a:p>
+        </p:txBody>
+      </p:sp>
+      <p:pic>
+        <p:nvPicPr>
+          <p:cNvPr id="5" name="Picture 2" descr="Sad Phone Icons - Download Free Vector Icons | Noun Project"/>
+          <p:cNvPicPr>
+            <a:picLocks noChangeAspect="1" noChangeArrowheads="1"/>
+          </p:cNvPicPr>
+          <p:nvPr/>
+        </p:nvPicPr>
+        <p:blipFill>
+          <a:blip r:embed="rId3">
+            <a:extLst>
+              <a:ext uri="{28A0092B-C50C-407E-A947-70E740481C1C}">
+                <a14:useLocalDpi xmlns:a14="http://schemas.microsoft.com/office/drawing/2010/main" val="0"/>
+              </a:ext>
+            </a:extLst>
+          </a:blip>
+          <a:srcRect/>
+          <a:stretch>
+            <a:fillRect/>
+          </a:stretch>
+        </p:blipFill>
+        <p:spPr bwMode="auto">
+          <a:xfrm rot="1002674">
+            <a:off x="9183918" y="541494"/>
+            <a:ext cx="3267608" cy="3267608"/>
+          </a:xfrm>
+          <a:prstGeom prst="rect">
+            <a:avLst/>
+          </a:prstGeom>
+          <a:noFill/>
+          <a:extLst>
+            <a:ext uri="{909E8E84-426E-40DD-AFC4-6F175D3DCCD1}">
+              <a14:hiddenFill xmlns:a14="http://schemas.microsoft.com/office/drawing/2010/main">
+                <a:solidFill>
+                  <a:srgbClr val="FFFFFF"/>
+                </a:solidFill>
+              </a14:hiddenFill>
+            </a:ext>
+          </a:extLst>
+        </p:spPr>
+      </p:pic>
+      <p:pic>
+        <p:nvPicPr>
+          <p:cNvPr id="6" name="Picture 4" descr="Bored - Free user icons"/>
+          <p:cNvPicPr>
+            <a:picLocks noChangeAspect="1" noChangeArrowheads="1"/>
+          </p:cNvPicPr>
+          <p:nvPr/>
+        </p:nvPicPr>
+        <p:blipFill>
+          <a:blip r:embed="rId4">
+            <a:extLst>
+              <a:ext uri="{28A0092B-C50C-407E-A947-70E740481C1C}">
+                <a14:useLocalDpi xmlns:a14="http://schemas.microsoft.com/office/drawing/2010/main" val="0"/>
+              </a:ext>
+            </a:extLst>
+          </a:blip>
+          <a:srcRect/>
+          <a:stretch>
+            <a:fillRect/>
+          </a:stretch>
+        </p:blipFill>
+        <p:spPr bwMode="auto">
+          <a:xfrm>
+            <a:off x="6348817" y="1300162"/>
+            <a:ext cx="4876800" cy="4876801"/>
+          </a:xfrm>
+          <a:prstGeom prst="rect">
+            <a:avLst/>
+          </a:prstGeom>
+          <a:noFill/>
+          <a:extLst>
+            <a:ext uri="{909E8E84-426E-40DD-AFC4-6F175D3DCCD1}">
+              <a14:hiddenFill xmlns:a14="http://schemas.microsoft.com/office/drawing/2010/main">
+                <a:solidFill>
+                  <a:srgbClr val="FFFFFF"/>
+                </a:solidFill>
+              </a14:hiddenFill>
+            </a:ext>
+          </a:extLst>
+        </p:spPr>
+      </p:pic>
     </p:spTree>
     <p:extLst>
       <p:ext uri="{BB962C8B-B14F-4D97-AF65-F5344CB8AC3E}">
         <p14:creationId xmlns:p14="http://schemas.microsoft.com/office/powerpoint/2010/main" val="569151757"/>
+      </p:ext>
+    </p:extLst>
+  </p:cSld>
+  <p:clrMapOvr>
+    <a:masterClrMapping/>
+  </p:clrMapOvr>
+  <mc:AlternateContent xmlns:mc="http://schemas.openxmlformats.org/markup-compatibility/2006">
+    <mc:Choice xmlns:p14="http://schemas.microsoft.com/office/powerpoint/2010/main" Requires="p14">
+      <p:transition p14:dur="100">
+        <p:cut/>
+      </p:transition>
+    </mc:Choice>
+    <mc:Fallback>
+      <p:transition>
+        <p:cut/>
+      </p:transition>
+    </mc:Fallback>
+  </mc:AlternateContent>
+  <p:timing>
+    <p:tnLst>
+      <p:par>
+        <p:cTn id="1" dur="indefinite" restart="never" nodeType="tmRoot"/>
+      </p:par>
+    </p:tnLst>
+  </p:timing>
+</p:sld>
+</file>
+
+<file path=ppt/slides/slide3.xml><?xml version="1.0" encoding="utf-8"?>
+<p:sld xmlns:a="http://schemas.openxmlformats.org/drawingml/2006/main" xmlns:r="http://schemas.openxmlformats.org/officeDocument/2006/relationships" xmlns:p="http://schemas.openxmlformats.org/presentationml/2006/main">
+  <p:cSld>
+    <p:spTree>
+      <p:nvGrpSpPr>
+        <p:cNvPr id="1" name=""/>
+        <p:cNvGrpSpPr/>
+        <p:nvPr/>
+      </p:nvGrpSpPr>
+      <p:grpSpPr>
+        <a:xfrm>
+          <a:off x="0" y="0"/>
+          <a:ext cx="0" cy="0"/>
+          <a:chOff x="0" y="0"/>
+          <a:chExt cx="0" cy="0"/>
+        </a:xfrm>
+      </p:grpSpPr>
+      <p:sp>
+        <p:nvSpPr>
+          <p:cNvPr id="2" name="Заголовок 1"/>
+          <p:cNvSpPr>
+            <a:spLocks noGrp="1"/>
+          </p:cNvSpPr>
+          <p:nvPr>
+            <p:ph type="title"/>
+          </p:nvPr>
+        </p:nvSpPr>
+        <p:spPr>
+          <a:xfrm>
+            <a:off x="4294908" y="365125"/>
+            <a:ext cx="7058891" cy="1325563"/>
+          </a:xfrm>
+        </p:spPr>
+        <p:txBody>
+          <a:bodyPr/>
+          <a:lstStyle/>
+          <a:p>
+            <a:r>
+              <a:rPr lang="en-US" b="1" dirty="0" smtClean="0">
+                <a:solidFill>
+                  <a:schemeClr val="bg1"/>
+                </a:solidFill>
+                <a:latin typeface="Trebuchet MS Bold" panose="020B0703020202020204" pitchFamily="34" charset="0"/>
+              </a:rPr>
+              <a:t>STATEMENT</a:t>
+            </a:r>
+            <a:endParaRPr lang="uk-UA" b="1" dirty="0">
+              <a:solidFill>
+                <a:schemeClr val="bg1"/>
+              </a:solidFill>
+              <a:latin typeface="Trebuchet MS Bold" panose="020B0703020202020204" pitchFamily="34" charset="0"/>
+            </a:endParaRPr>
+          </a:p>
+        </p:txBody>
+      </p:sp>
+      <p:sp>
+        <p:nvSpPr>
+          <p:cNvPr id="3" name="Объект 2"/>
+          <p:cNvSpPr>
+            <a:spLocks noGrp="1"/>
+          </p:cNvSpPr>
+          <p:nvPr>
+            <p:ph idx="1"/>
+          </p:nvPr>
+        </p:nvSpPr>
+        <p:spPr>
+          <a:xfrm>
+            <a:off x="5363176" y="1690688"/>
+            <a:ext cx="5642465" cy="4351338"/>
+          </a:xfrm>
+        </p:spPr>
+        <p:txBody>
+          <a:bodyPr/>
+          <a:lstStyle/>
+          <a:p>
+            <a:pPr marL="0" indent="0" algn="ctr">
+              <a:lnSpc>
+                <a:spcPct val="150000"/>
+              </a:lnSpc>
+              <a:buNone/>
+            </a:pPr>
+            <a:r>
+              <a:rPr lang="en-US" dirty="0">
+                <a:solidFill>
+                  <a:schemeClr val="bg1"/>
+                </a:solidFill>
+              </a:rPr>
+              <a:t>BUILD A SMARTPHONE APPLICATION THAT PROVIDES INDIVIDUALIZED, GEOLOCATED, COVID-19 RISK WARNINGS TO GUIDE SOCIAL AWARENESS, RESPONSE, AND HEALTH SECURITY</a:t>
+            </a:r>
+            <a:endParaRPr lang="uk-UA" dirty="0">
+              <a:solidFill>
+                <a:schemeClr val="bg1"/>
+              </a:solidFill>
+            </a:endParaRPr>
+          </a:p>
+          <a:p>
+            <a:pPr marL="0" indent="0" algn="just">
+              <a:lnSpc>
+                <a:spcPct val="150000"/>
+              </a:lnSpc>
+              <a:buNone/>
+            </a:pPr>
+            <a:endParaRPr lang="uk-UA" dirty="0">
+              <a:solidFill>
+                <a:schemeClr val="bg1"/>
+              </a:solidFill>
+            </a:endParaRPr>
+          </a:p>
+        </p:txBody>
+      </p:sp>
+      <p:pic>
+        <p:nvPicPr>
+          <p:cNvPr id="1026" name="Picture 2" descr="Nigeria Has 1,588 New COVID-19 Cases, 6 Deaths In 24 Hours - NCDC -  StraightNews"/>
+          <p:cNvPicPr>
+            <a:picLocks noChangeAspect="1" noChangeArrowheads="1"/>
+          </p:cNvPicPr>
+          <p:nvPr/>
+        </p:nvPicPr>
+        <p:blipFill>
+          <a:blip r:embed="rId3">
+            <a:extLst>
+              <a:ext uri="{28A0092B-C50C-407E-A947-70E740481C1C}">
+                <a14:useLocalDpi xmlns:a14="http://schemas.microsoft.com/office/drawing/2010/main" val="0"/>
+              </a:ext>
+            </a:extLst>
+          </a:blip>
+          <a:srcRect/>
+          <a:stretch>
+            <a:fillRect/>
+          </a:stretch>
+        </p:blipFill>
+        <p:spPr bwMode="auto">
+          <a:xfrm>
+            <a:off x="43031" y="2276656"/>
+            <a:ext cx="6193361" cy="3917301"/>
+          </a:xfrm>
+          <a:prstGeom prst="rect">
+            <a:avLst/>
+          </a:prstGeom>
+          <a:noFill/>
+          <a:extLst>
+            <a:ext uri="{909E8E84-426E-40DD-AFC4-6F175D3DCCD1}">
+              <a14:hiddenFill xmlns:a14="http://schemas.microsoft.com/office/drawing/2010/main">
+                <a:solidFill>
+                  <a:srgbClr val="FFFFFF"/>
+                </a:solidFill>
+              </a14:hiddenFill>
+            </a:ext>
+          </a:extLst>
+        </p:spPr>
+      </p:pic>
+      <p:sp>
+        <p:nvSpPr>
+          <p:cNvPr id="4" name="Овал 3"/>
+          <p:cNvSpPr/>
+          <p:nvPr/>
+        </p:nvSpPr>
+        <p:spPr>
+          <a:xfrm>
+            <a:off x="-150933" y="1690688"/>
+            <a:ext cx="5320145" cy="5089236"/>
+          </a:xfrm>
+          <a:prstGeom prst="ellipse">
+            <a:avLst/>
+          </a:prstGeom>
+          <a:noFill/>
+          <a:ln w="254000">
+            <a:solidFill>
+              <a:srgbClr val="FF0000"/>
+            </a:solidFill>
+          </a:ln>
+        </p:spPr>
+        <p:style>
+          <a:lnRef idx="2">
+            <a:schemeClr val="accent6"/>
+          </a:lnRef>
+          <a:fillRef idx="1">
+            <a:schemeClr val="lt1"/>
+          </a:fillRef>
+          <a:effectRef idx="0">
+            <a:schemeClr val="accent6"/>
+          </a:effectRef>
+          <a:fontRef idx="minor">
+            <a:schemeClr val="dk1"/>
+          </a:fontRef>
+        </p:style>
+        <p:txBody>
+          <a:bodyPr rtlCol="0" anchor="ctr"/>
+          <a:lstStyle/>
+          <a:p>
+            <a:pPr algn="ctr"/>
+            <a:endParaRPr lang="uk-UA"/>
+          </a:p>
+        </p:txBody>
+      </p:sp>
+      <p:cxnSp>
+        <p:nvCxnSpPr>
+          <p:cNvPr id="6" name="Прямая соединительная линия 5"/>
+          <p:cNvCxnSpPr>
+            <a:stCxn id="4" idx="7"/>
+            <a:endCxn id="4" idx="3"/>
+          </p:cNvCxnSpPr>
+          <p:nvPr/>
+        </p:nvCxnSpPr>
+        <p:spPr>
+          <a:xfrm flipH="1">
+            <a:off x="628184" y="2435989"/>
+            <a:ext cx="3761911" cy="3598634"/>
+          </a:xfrm>
+          <a:prstGeom prst="line">
+            <a:avLst/>
+          </a:prstGeom>
+          <a:ln w="254000">
+            <a:solidFill>
+              <a:srgbClr val="FF0000"/>
+            </a:solidFill>
+          </a:ln>
+        </p:spPr>
+        <p:style>
+          <a:lnRef idx="1">
+            <a:schemeClr val="accent1"/>
+          </a:lnRef>
+          <a:fillRef idx="0">
+            <a:schemeClr val="accent1"/>
+          </a:fillRef>
+          <a:effectRef idx="0">
+            <a:schemeClr val="accent1"/>
+          </a:effectRef>
+          <a:fontRef idx="minor">
+            <a:schemeClr val="tx1"/>
+          </a:fontRef>
+        </p:style>
+      </p:cxnSp>
+    </p:spTree>
+    <p:extLst>
+      <p:ext uri="{BB962C8B-B14F-4D97-AF65-F5344CB8AC3E}">
+        <p14:creationId xmlns:p14="http://schemas.microsoft.com/office/powerpoint/2010/main" val="2483259230"/>
+      </p:ext>
+    </p:extLst>
+  </p:cSld>
+  <p:clrMapOvr>
+    <a:masterClrMapping/>
+  </p:clrMapOvr>
+  <p:transition spd="med">
+    <p:pull/>
+  </p:transition>
+  <p:timing>
+    <p:tnLst>
+      <p:par>
+        <p:cTn id="1" dur="indefinite" restart="never" nodeType="tmRoot"/>
+      </p:par>
+    </p:tnLst>
+  </p:timing>
+</p:sld>
+</file>
+
+<file path=ppt/slides/slide4.xml><?xml version="1.0" encoding="utf-8"?>
+<p:sld xmlns:a="http://schemas.openxmlformats.org/drawingml/2006/main" xmlns:r="http://schemas.openxmlformats.org/officeDocument/2006/relationships" xmlns:p="http://schemas.openxmlformats.org/presentationml/2006/main">
+  <p:cSld>
+    <p:spTree>
+      <p:nvGrpSpPr>
+        <p:cNvPr id="1" name=""/>
+        <p:cNvGrpSpPr/>
+        <p:nvPr/>
+      </p:nvGrpSpPr>
+      <p:grpSpPr>
+        <a:xfrm>
+          <a:off x="0" y="0"/>
+          <a:ext cx="0" cy="0"/>
+          <a:chOff x="0" y="0"/>
+          <a:chExt cx="0" cy="0"/>
+        </a:xfrm>
+      </p:grpSpPr>
+      <p:sp>
+        <p:nvSpPr>
+          <p:cNvPr id="4" name="Прямоугольник 3"/>
+          <p:cNvSpPr/>
+          <p:nvPr/>
+        </p:nvSpPr>
+        <p:spPr>
+          <a:xfrm>
+            <a:off x="-581286" y="-119269"/>
+            <a:ext cx="7126357" cy="6977269"/>
+          </a:xfrm>
+          <a:prstGeom prst="rect">
+            <a:avLst/>
+          </a:prstGeom>
+          <a:ln>
+            <a:noFill/>
+          </a:ln>
+        </p:spPr>
+        <p:style>
+          <a:lnRef idx="2">
+            <a:schemeClr val="accent6"/>
+          </a:lnRef>
+          <a:fillRef idx="1">
+            <a:schemeClr val="lt1"/>
+          </a:fillRef>
+          <a:effectRef idx="0">
+            <a:schemeClr val="accent6"/>
+          </a:effectRef>
+          <a:fontRef idx="minor">
+            <a:schemeClr val="dk1"/>
+          </a:fontRef>
+        </p:style>
+        <p:txBody>
+          <a:bodyPr rtlCol="0" anchor="ctr"/>
+          <a:lstStyle/>
+          <a:p>
+            <a:pPr algn="ctr"/>
+            <a:endParaRPr lang="uk-UA"/>
+          </a:p>
+        </p:txBody>
+      </p:sp>
+      <p:sp>
+        <p:nvSpPr>
+          <p:cNvPr id="2" name="Заголовок 1"/>
+          <p:cNvSpPr>
+            <a:spLocks noGrp="1"/>
+          </p:cNvSpPr>
+          <p:nvPr>
+            <p:ph type="title"/>
+          </p:nvPr>
+        </p:nvSpPr>
+        <p:spPr>
+          <a:xfrm>
+            <a:off x="838200" y="306735"/>
+            <a:ext cx="2920999" cy="1325563"/>
+          </a:xfrm>
+        </p:spPr>
+        <p:txBody>
+          <a:bodyPr/>
+          <a:lstStyle/>
+          <a:p>
+            <a:r>
+              <a:rPr lang="en-US" b="1" dirty="0" smtClean="0">
+                <a:latin typeface="Trebuchet MS Bold" panose="020B0703020202020204" pitchFamily="34" charset="0"/>
+              </a:rPr>
+              <a:t>SOLUTION</a:t>
+            </a:r>
+            <a:endParaRPr lang="uk-UA" b="1" dirty="0">
+              <a:latin typeface="Trebuchet MS Bold" panose="020B0703020202020204" pitchFamily="34" charset="0"/>
+            </a:endParaRPr>
+          </a:p>
+        </p:txBody>
+      </p:sp>
+      <p:sp>
+        <p:nvSpPr>
+          <p:cNvPr id="3" name="Объект 2"/>
+          <p:cNvSpPr>
+            <a:spLocks noGrp="1"/>
+          </p:cNvSpPr>
+          <p:nvPr>
+            <p:ph idx="1"/>
+          </p:nvPr>
+        </p:nvSpPr>
+        <p:spPr>
+          <a:xfrm>
+            <a:off x="838200" y="1825625"/>
+            <a:ext cx="5013960" cy="4351338"/>
+          </a:xfrm>
+        </p:spPr>
+        <p:txBody>
+          <a:bodyPr/>
+          <a:lstStyle/>
+          <a:p>
+            <a:pPr marL="0" indent="0" algn="just">
+              <a:buNone/>
+            </a:pPr>
+            <a:r>
+              <a:rPr lang="en-US" sz="3200" dirty="0" smtClean="0"/>
+              <a:t>WE CREATED A SIMPLE WEB APPLICATION WITH A MOBILE VIEW FOR EASY CHECK HEALTH WARNINGS IN YOUR AREA VIA PYTHON, FLASK FRAMEWORK, AND GEONAMESCACHE LIBRARY TECHNOLOGIES FOR OUR PROJECT</a:t>
+            </a:r>
+          </a:p>
+          <a:p>
+            <a:endParaRPr lang="uk-UA" dirty="0"/>
+          </a:p>
+        </p:txBody>
+      </p:sp>
+      <p:pic>
+        <p:nvPicPr>
+          <p:cNvPr id="5" name="Рисунок 4"/>
+          <p:cNvPicPr>
+            <a:picLocks noChangeAspect="1"/>
+          </p:cNvPicPr>
+          <p:nvPr/>
+        </p:nvPicPr>
+        <p:blipFill>
+          <a:blip r:embed="rId2"/>
+          <a:stretch>
+            <a:fillRect/>
+          </a:stretch>
+        </p:blipFill>
+        <p:spPr>
+          <a:xfrm rot="20352237">
+            <a:off x="7892426" y="358945"/>
+            <a:ext cx="3185436" cy="6340389"/>
+          </a:xfrm>
+          <a:prstGeom prst="roundRect">
+            <a:avLst/>
+          </a:prstGeom>
+        </p:spPr>
+      </p:pic>
+    </p:spTree>
+    <p:extLst>
+      <p:ext uri="{BB962C8B-B14F-4D97-AF65-F5344CB8AC3E}">
+        <p14:creationId xmlns:p14="http://schemas.microsoft.com/office/powerpoint/2010/main" val="1134846784"/>
+      </p:ext>
+    </p:extLst>
+  </p:cSld>
+  <p:clrMapOvr>
+    <a:masterClrMapping/>
+  </p:clrMapOvr>
+  <p:transition spd="slow">
+    <p:push dir="u"/>
+  </p:transition>
+  <p:timing>
+    <p:tnLst>
+      <p:par>
+        <p:cTn id="1" dur="indefinite" restart="never" nodeType="tmRoot"/>
+      </p:par>
+    </p:tnLst>
+  </p:timing>
+</p:sld>
+</file>
+
+<file path=ppt/slides/slide5.xml><?xml version="1.0" encoding="utf-8"?>
+<p:sld xmlns:a="http://schemas.openxmlformats.org/drawingml/2006/main" xmlns:r="http://schemas.openxmlformats.org/officeDocument/2006/relationships" xmlns:p="http://schemas.openxmlformats.org/presentationml/2006/main">
+  <p:cSld>
+    <p:spTree>
+      <p:nvGrpSpPr>
+        <p:cNvPr id="1" name=""/>
+        <p:cNvGrpSpPr/>
+        <p:nvPr/>
+      </p:nvGrpSpPr>
+      <p:grpSpPr>
+        <a:xfrm>
+          <a:off x="0" y="0"/>
+          <a:ext cx="0" cy="0"/>
+          <a:chOff x="0" y="0"/>
+          <a:chExt cx="0" cy="0"/>
+        </a:xfrm>
+      </p:grpSpPr>
+      <p:sp>
+        <p:nvSpPr>
+          <p:cNvPr id="2" name="Заголовок 1"/>
+          <p:cNvSpPr>
+            <a:spLocks noGrp="1"/>
+          </p:cNvSpPr>
+          <p:nvPr>
+            <p:ph type="title"/>
+          </p:nvPr>
+        </p:nvSpPr>
+        <p:spPr/>
+        <p:txBody>
+          <a:bodyPr/>
+          <a:lstStyle/>
+          <a:p>
+            <a:r>
+              <a:rPr lang="en-US" b="1" dirty="0" smtClean="0">
+                <a:solidFill>
+                  <a:schemeClr val="bg1"/>
+                </a:solidFill>
+                <a:latin typeface="Trebuchet MS Bold" panose="020B0703020202020204" pitchFamily="34" charset="0"/>
+              </a:rPr>
+              <a:t>SPACE TO GROW</a:t>
+            </a:r>
+            <a:endParaRPr lang="uk-UA" b="1" dirty="0">
+              <a:solidFill>
+                <a:schemeClr val="bg1"/>
+              </a:solidFill>
+              <a:latin typeface="Trebuchet MS Bold" panose="020B0703020202020204" pitchFamily="34" charset="0"/>
+            </a:endParaRPr>
+          </a:p>
+        </p:txBody>
+      </p:sp>
+      <p:sp>
+        <p:nvSpPr>
+          <p:cNvPr id="3" name="Объект 2"/>
+          <p:cNvSpPr>
+            <a:spLocks noGrp="1"/>
+          </p:cNvSpPr>
+          <p:nvPr>
+            <p:ph idx="1"/>
+          </p:nvPr>
+        </p:nvSpPr>
+        <p:spPr>
+          <a:xfrm>
+            <a:off x="838200" y="1804109"/>
+            <a:ext cx="5928360" cy="4351338"/>
+          </a:xfrm>
+        </p:spPr>
+        <p:txBody>
+          <a:bodyPr/>
+          <a:lstStyle/>
+          <a:p>
+            <a:pPr algn="just">
+              <a:lnSpc>
+                <a:spcPct val="150000"/>
+              </a:lnSpc>
+            </a:pPr>
+            <a:r>
+              <a:rPr lang="en-US" dirty="0" smtClean="0">
+                <a:solidFill>
+                  <a:schemeClr val="bg1"/>
+                </a:solidFill>
+              </a:rPr>
+              <a:t>ADD NEW FUNCTIONALITY</a:t>
+            </a:r>
+          </a:p>
+          <a:p>
+            <a:pPr lvl="1" algn="just">
+              <a:lnSpc>
+                <a:spcPct val="150000"/>
+              </a:lnSpc>
+            </a:pPr>
+            <a:r>
+              <a:rPr lang="en-US" sz="2800" dirty="0" smtClean="0">
+                <a:solidFill>
+                  <a:schemeClr val="bg1"/>
+                </a:solidFill>
+              </a:rPr>
+              <a:t>TEACH HOW EVERYTHING WORKS (SUCH WHAT IS ACTIVE CASES, WHAT IS COVID-19…)</a:t>
+            </a:r>
+          </a:p>
+          <a:p>
+            <a:pPr lvl="2" algn="just">
+              <a:lnSpc>
+                <a:spcPct val="150000"/>
+              </a:lnSpc>
+            </a:pPr>
+            <a:r>
+              <a:rPr lang="en-US" sz="2800" dirty="0" smtClean="0">
+                <a:solidFill>
+                  <a:schemeClr val="bg1"/>
+                </a:solidFill>
+              </a:rPr>
+              <a:t>ADD ABILITY TO SEE GLOBAL STATISTICS</a:t>
+            </a:r>
+            <a:endParaRPr lang="uk-UA" sz="2800" dirty="0">
+              <a:solidFill>
+                <a:schemeClr val="bg1"/>
+              </a:solidFill>
+            </a:endParaRPr>
+          </a:p>
+        </p:txBody>
+      </p:sp>
+      <p:pic>
+        <p:nvPicPr>
+          <p:cNvPr id="4" name="Рисунок 3"/>
+          <p:cNvPicPr>
+            <a:picLocks noChangeAspect="1"/>
+          </p:cNvPicPr>
+          <p:nvPr/>
+        </p:nvPicPr>
+        <p:blipFill>
+          <a:blip r:embed="rId3"/>
+          <a:stretch>
+            <a:fillRect/>
+          </a:stretch>
+        </p:blipFill>
+        <p:spPr>
+          <a:xfrm rot="20907526">
+            <a:off x="7129938" y="272037"/>
+            <a:ext cx="3246401" cy="6325148"/>
+          </a:xfrm>
+          <a:prstGeom prst="roundRect">
+            <a:avLst/>
+          </a:prstGeom>
+        </p:spPr>
+      </p:pic>
+    </p:spTree>
+    <p:extLst>
+      <p:ext uri="{BB962C8B-B14F-4D97-AF65-F5344CB8AC3E}">
+        <p14:creationId xmlns:p14="http://schemas.microsoft.com/office/powerpoint/2010/main" val="772751265"/>
+      </p:ext>
+    </p:extLst>
+  </p:cSld>
+  <p:clrMapOvr>
+    <a:masterClrMapping/>
+  </p:clrMapOvr>
+  <p:timing>
+    <p:tnLst>
+      <p:par>
+        <p:cTn id="1" dur="indefinite" restart="never" nodeType="tmRoot">
+          <p:childTnLst>
+            <p:seq concurrent="1" nextAc="seek">
+              <p:cTn id="2" dur="indefinite" nodeType="mainSeq">
+                <p:childTnLst>
+                  <p:par>
+                    <p:cTn id="3" fill="hold">
+                      <p:stCondLst>
+                        <p:cond delay="indefinite"/>
+                      </p:stCondLst>
+                      <p:childTnLst>
+                        <p:par>
+                          <p:cTn id="4" fill="hold">
+                            <p:stCondLst>
+                              <p:cond delay="0"/>
+                            </p:stCondLst>
+                            <p:childTnLst>
+                              <p:par>
+                                <p:cTn id="5" presetID="2" presetClass="entr" presetSubtype="4" fill="hold" nodeType="clickEffect">
+                                  <p:stCondLst>
+                                    <p:cond delay="0"/>
+                                  </p:stCondLst>
+                                  <p:childTnLst>
+                                    <p:set>
+                                      <p:cBhvr>
+                                        <p:cTn id="6" dur="1" fill="hold">
+                                          <p:stCondLst>
+                                            <p:cond delay="0"/>
+                                          </p:stCondLst>
+                                        </p:cTn>
+                                        <p:tgtEl>
+                                          <p:spTgt spid="3">
+                                            <p:txEl>
+                                              <p:pRg st="1" end="1"/>
+                                            </p:txEl>
+                                          </p:spTgt>
+                                        </p:tgtEl>
+                                        <p:attrNameLst>
+                                          <p:attrName>style.visibility</p:attrName>
+                                        </p:attrNameLst>
+                                      </p:cBhvr>
+                                      <p:to>
+                                        <p:strVal val="visible"/>
+                                      </p:to>
+                                    </p:set>
+                                    <p:anim calcmode="lin" valueType="num">
+                                      <p:cBhvr additive="base">
+                                        <p:cTn id="7" dur="500" fill="hold"/>
+                                        <p:tgtEl>
+                                          <p:spTgt spid="3">
+                                            <p:txEl>
+                                              <p:pRg st="1" end="1"/>
+                                            </p:txEl>
+                                          </p:spTgt>
+                                        </p:tgtEl>
+                                        <p:attrNameLst>
+                                          <p:attrName>ppt_x</p:attrName>
+                                        </p:attrNameLst>
+                                      </p:cBhvr>
+                                      <p:tavLst>
+                                        <p:tav tm="0">
+                                          <p:val>
+                                            <p:strVal val="#ppt_x"/>
+                                          </p:val>
+                                        </p:tav>
+                                        <p:tav tm="100000">
+                                          <p:val>
+                                            <p:strVal val="#ppt_x"/>
+                                          </p:val>
+                                        </p:tav>
+                                      </p:tavLst>
+                                    </p:anim>
+                                    <p:anim calcmode="lin" valueType="num">
+                                      <p:cBhvr additive="base">
+                                        <p:cTn id="8" dur="500" fill="hold"/>
+                                        <p:tgtEl>
+                                          <p:spTgt spid="3">
+                                            <p:txEl>
+                                              <p:pRg st="1" end="1"/>
+                                            </p:txEl>
+                                          </p:spTgt>
+                                        </p:tgtEl>
+                                        <p:attrNameLst>
+                                          <p:attrName>ppt_y</p:attrName>
+                                        </p:attrNameLst>
+                                      </p:cBhvr>
+                                      <p:tavLst>
+                                        <p:tav tm="0">
+                                          <p:val>
+                                            <p:strVal val="1+#ppt_h/2"/>
+                                          </p:val>
+                                        </p:tav>
+                                        <p:tav tm="100000">
+                                          <p:val>
+                                            <p:strVal val="#ppt_y"/>
+                                          </p:val>
+                                        </p:tav>
+                                      </p:tavLst>
+                                    </p:anim>
+                                  </p:childTnLst>
+                                </p:cTn>
+                              </p:par>
+                            </p:childTnLst>
+                          </p:cTn>
+                        </p:par>
+                      </p:childTnLst>
+                    </p:cTn>
+                  </p:par>
+                  <p:par>
+                    <p:cTn id="9" fill="hold">
+                      <p:stCondLst>
+                        <p:cond delay="indefinite"/>
+                      </p:stCondLst>
+                      <p:childTnLst>
+                        <p:par>
+                          <p:cTn id="10" fill="hold">
+                            <p:stCondLst>
+                              <p:cond delay="0"/>
+                            </p:stCondLst>
+                            <p:childTnLst>
+                              <p:par>
+                                <p:cTn id="11" presetID="2" presetClass="entr" presetSubtype="4" fill="hold" nodeType="clickEffect">
+                                  <p:stCondLst>
+                                    <p:cond delay="0"/>
+                                  </p:stCondLst>
+                                  <p:childTnLst>
+                                    <p:set>
+                                      <p:cBhvr>
+                                        <p:cTn id="12" dur="1" fill="hold">
+                                          <p:stCondLst>
+                                            <p:cond delay="0"/>
+                                          </p:stCondLst>
+                                        </p:cTn>
+                                        <p:tgtEl>
+                                          <p:spTgt spid="3">
+                                            <p:txEl>
+                                              <p:pRg st="2" end="2"/>
+                                            </p:txEl>
+                                          </p:spTgt>
+                                        </p:tgtEl>
+                                        <p:attrNameLst>
+                                          <p:attrName>style.visibility</p:attrName>
+                                        </p:attrNameLst>
+                                      </p:cBhvr>
+                                      <p:to>
+                                        <p:strVal val="visible"/>
+                                      </p:to>
+                                    </p:set>
+                                    <p:anim calcmode="lin" valueType="num">
+                                      <p:cBhvr additive="base">
+                                        <p:cTn id="13" dur="500" fill="hold"/>
+                                        <p:tgtEl>
+                                          <p:spTgt spid="3">
+                                            <p:txEl>
+                                              <p:pRg st="2" end="2"/>
+                                            </p:txEl>
+                                          </p:spTgt>
+                                        </p:tgtEl>
+                                        <p:attrNameLst>
+                                          <p:attrName>ppt_x</p:attrName>
+                                        </p:attrNameLst>
+                                      </p:cBhvr>
+                                      <p:tavLst>
+                                        <p:tav tm="0">
+                                          <p:val>
+                                            <p:strVal val="#ppt_x"/>
+                                          </p:val>
+                                        </p:tav>
+                                        <p:tav tm="100000">
+                                          <p:val>
+                                            <p:strVal val="#ppt_x"/>
+                                          </p:val>
+                                        </p:tav>
+                                      </p:tavLst>
+                                    </p:anim>
+                                    <p:anim calcmode="lin" valueType="num">
+                                      <p:cBhvr additive="base">
+                                        <p:cTn id="14" dur="500" fill="hold"/>
+                                        <p:tgtEl>
+                                          <p:spTgt spid="3">
+                                            <p:txEl>
+                                              <p:pRg st="2" end="2"/>
+                                            </p:txEl>
+                                          </p:spTgt>
+                                        </p:tgtEl>
+                                        <p:attrNameLst>
+                                          <p:attrName>ppt_y</p:attrName>
+                                        </p:attrNameLst>
+                                      </p:cBhvr>
+                                      <p:tavLst>
+                                        <p:tav tm="0">
+                                          <p:val>
+                                            <p:strVal val="1+#ppt_h/2"/>
+                                          </p:val>
+                                        </p:tav>
+                                        <p:tav tm="100000">
+                                          <p:val>
+                                            <p:strVal val="#ppt_y"/>
+                                          </p:val>
+                                        </p:tav>
+                                      </p:tavLst>
+                                    </p:anim>
+                                  </p:childTnLst>
+                                </p:cTn>
+                              </p:par>
+                            </p:childTnLst>
+                          </p:cTn>
+                        </p:par>
+                      </p:childTnLst>
+                    </p:cTn>
+                  </p:par>
+                </p:childTnLst>
+              </p:cTn>
+              <p:prevCondLst>
+                <p:cond evt="onPrev" delay="0">
+                  <p:tgtEl>
+                    <p:sldTgt/>
+                  </p:tgtEl>
+                </p:cond>
+              </p:prevCondLst>
+              <p:nextCondLst>
+                <p:cond evt="onNext" delay="0">
+                  <p:tgtEl>
+                    <p:sldTgt/>
+                  </p:tgtEl>
+                </p:cond>
+              </p:nextCondLst>
+            </p:seq>
+          </p:childTnLst>
+        </p:cTn>
+      </p:par>
+    </p:tnLst>
+  </p:timing>
+</p:sld>
+</file>
+
+<file path=ppt/slides/slide6.xml><?xml version="1.0" encoding="utf-8"?>
+<p:sld xmlns:a="http://schemas.openxmlformats.org/drawingml/2006/main" xmlns:r="http://schemas.openxmlformats.org/officeDocument/2006/relationships" xmlns:p="http://schemas.openxmlformats.org/presentationml/2006/main">
+  <p:cSld>
+    <p:spTree>
+      <p:nvGrpSpPr>
+        <p:cNvPr id="1" name=""/>
+        <p:cNvGrpSpPr/>
+        <p:nvPr/>
+      </p:nvGrpSpPr>
+      <p:grpSpPr>
+        <a:xfrm>
+          <a:off x="0" y="0"/>
+          <a:ext cx="0" cy="0"/>
+          <a:chOff x="0" y="0"/>
+          <a:chExt cx="0" cy="0"/>
+        </a:xfrm>
+      </p:grpSpPr>
+      <p:sp>
+        <p:nvSpPr>
+          <p:cNvPr id="2" name="Заголовок 1"/>
+          <p:cNvSpPr>
+            <a:spLocks noGrp="1"/>
+          </p:cNvSpPr>
+          <p:nvPr>
+            <p:ph type="ctrTitle"/>
+          </p:nvPr>
+        </p:nvSpPr>
+        <p:spPr>
+          <a:xfrm>
+            <a:off x="1524000" y="600363"/>
+            <a:ext cx="9144000" cy="1182399"/>
+          </a:xfrm>
+        </p:spPr>
+        <p:txBody>
+          <a:bodyPr/>
+          <a:lstStyle/>
+          <a:p>
+            <a:r>
+              <a:rPr lang="en-US" dirty="0">
+                <a:solidFill>
+                  <a:schemeClr val="bg1"/>
+                </a:solidFill>
+                <a:latin typeface="Trebuchet MS Bold" panose="020B0703020202020204" pitchFamily="34" charset="0"/>
+              </a:rPr>
+              <a:t>THANKS FOR ATTENTION</a:t>
+            </a:r>
+            <a:endParaRPr lang="uk-UA" dirty="0"/>
+          </a:p>
+        </p:txBody>
+      </p:sp>
+      <p:sp>
+        <p:nvSpPr>
+          <p:cNvPr id="3" name="Подзаголовок 2"/>
+          <p:cNvSpPr>
+            <a:spLocks noGrp="1"/>
+          </p:cNvSpPr>
+          <p:nvPr>
+            <p:ph type="subTitle" idx="1"/>
+          </p:nvPr>
+        </p:nvSpPr>
+        <p:spPr/>
+        <p:txBody>
+          <a:bodyPr/>
+          <a:lstStyle/>
+          <a:p>
+            <a:endParaRPr lang="uk-UA" dirty="0"/>
+          </a:p>
+        </p:txBody>
+      </p:sp>
+      <p:grpSp>
+        <p:nvGrpSpPr>
+          <p:cNvPr id="4" name="Группа 3"/>
+          <p:cNvGrpSpPr/>
+          <p:nvPr/>
+        </p:nvGrpSpPr>
+        <p:grpSpPr>
+          <a:xfrm>
+            <a:off x="3300445" y="2136534"/>
+            <a:ext cx="5591110" cy="4159642"/>
+            <a:chOff x="4738062" y="1098158"/>
+            <a:chExt cx="5591110" cy="4159642"/>
+          </a:xfrm>
+        </p:grpSpPr>
+        <p:pic>
+          <p:nvPicPr>
+            <p:cNvPr id="5" name="Picture 2" descr="NOT SURE I DIDAGREAT JOB OR NOONE PAID ATTENTION | Job Meme on ME.ME"/>
+            <p:cNvPicPr>
+              <a:picLocks noChangeAspect="1" noChangeArrowheads="1"/>
+            </p:cNvPicPr>
+            <p:nvPr/>
+          </p:nvPicPr>
+          <p:blipFill rotWithShape="1">
+            <a:blip r:embed="rId3">
+              <a:extLst>
+                <a:ext uri="{28A0092B-C50C-407E-A947-70E740481C1C}">
+                  <a14:useLocalDpi xmlns:a14="http://schemas.microsoft.com/office/drawing/2010/main" val="0"/>
+                </a:ext>
+              </a:extLst>
+            </a:blip>
+            <a:srcRect b="6300"/>
+            <a:stretch/>
+          </p:blipFill>
+          <p:spPr bwMode="auto">
+            <a:xfrm>
+              <a:off x="4738062" y="1098158"/>
+              <a:ext cx="5591110" cy="4159642"/>
+            </a:xfrm>
+            <a:prstGeom prst="rect">
+              <a:avLst/>
+            </a:prstGeom>
+            <a:noFill/>
+            <a:effectLst>
+              <a:softEdge rad="127000"/>
+            </a:effectLst>
+            <a:extLst>
+              <a:ext uri="{909E8E84-426E-40DD-AFC4-6F175D3DCCD1}">
+                <a14:hiddenFill xmlns:a14="http://schemas.microsoft.com/office/drawing/2010/main">
+                  <a:solidFill>
+                    <a:srgbClr val="FFFFFF"/>
+                  </a:solidFill>
+                </a14:hiddenFill>
+              </a:ext>
+            </a:extLst>
+          </p:spPr>
+        </p:pic>
+        <p:pic>
+          <p:nvPicPr>
+            <p:cNvPr id="6" name="Рисунок 5"/>
+            <p:cNvPicPr>
+              <a:picLocks noChangeAspect="1"/>
+            </p:cNvPicPr>
+            <p:nvPr/>
+          </p:nvPicPr>
+          <p:blipFill>
+            <a:blip r:embed="rId4"/>
+            <a:stretch>
+              <a:fillRect/>
+            </a:stretch>
+          </p:blipFill>
+          <p:spPr>
+            <a:xfrm>
+              <a:off x="4851698" y="2422709"/>
+              <a:ext cx="398033" cy="1753500"/>
+            </a:xfrm>
+            <a:prstGeom prst="rect">
+              <a:avLst/>
+            </a:prstGeom>
+            <a:effectLst>
+              <a:softEdge rad="25400"/>
+            </a:effectLst>
+          </p:spPr>
+        </p:pic>
+      </p:grpSp>
+    </p:spTree>
+    <p:extLst>
+      <p:ext uri="{BB962C8B-B14F-4D97-AF65-F5344CB8AC3E}">
+        <p14:creationId xmlns:p14="http://schemas.microsoft.com/office/powerpoint/2010/main" val="2079593774"/>
       </p:ext>
     </p:extLst>
   </p:cSld>
@@ -3401,4 +5280,265 @@
     </a:ext>
   </a:extLst>
 </a:theme>
+</file>
+
+<file path=ppt/theme/theme2.xml><?xml version="1.0" encoding="utf-8"?>
+<a:theme xmlns:a="http://schemas.openxmlformats.org/drawingml/2006/main" name="Тема Office">
+  <a:themeElements>
+    <a:clrScheme name="Стандартная">
+      <a:dk1>
+        <a:sysClr val="windowText" lastClr="000000"/>
+      </a:dk1>
+      <a:lt1>
+        <a:sysClr val="window" lastClr="FFFFFF"/>
+      </a:lt1>
+      <a:dk2>
+        <a:srgbClr val="44546A"/>
+      </a:dk2>
+      <a:lt2>
+        <a:srgbClr val="E7E6E6"/>
+      </a:lt2>
+      <a:accent1>
+        <a:srgbClr val="5B9BD5"/>
+      </a:accent1>
+      <a:accent2>
+        <a:srgbClr val="ED7D31"/>
+      </a:accent2>
+      <a:accent3>
+        <a:srgbClr val="A5A5A5"/>
+      </a:accent3>
+      <a:accent4>
+        <a:srgbClr val="FFC000"/>
+      </a:accent4>
+      <a:accent5>
+        <a:srgbClr val="4472C4"/>
+      </a:accent5>
+      <a:accent6>
+        <a:srgbClr val="70AD47"/>
+      </a:accent6>
+      <a:hlink>
+        <a:srgbClr val="0563C1"/>
+      </a:hlink>
+      <a:folHlink>
+        <a:srgbClr val="954F72"/>
+      </a:folHlink>
+    </a:clrScheme>
+    <a:fontScheme name="Стандартная">
+      <a:majorFont>
+        <a:latin typeface="Calibri Light" panose="020F0302020204030204"/>
+        <a:ea typeface=""/>
+        <a:cs typeface=""/>
+        <a:font script="Jpan" typeface="游ゴシック Light"/>
+        <a:font script="Hang" typeface="맑은 고딕"/>
+        <a:font script="Hans" typeface="等线 Light"/>
+        <a:font script="Hant" typeface="新細明體"/>
+        <a:font script="Arab" typeface="Times New Roman"/>
+        <a:font script="Hebr" typeface="Times New Roman"/>
+        <a:font script="Thai" typeface="Angsana New"/>
+        <a:font script="Ethi" typeface="Nyala"/>
+        <a:font script="Beng" typeface="Vrinda"/>
+        <a:font script="Gujr" typeface="Shruti"/>
+        <a:font script="Khmr" typeface="MoolBoran"/>
+        <a:font script="Knda" typeface="Tunga"/>
+        <a:font script="Guru" typeface="Raavi"/>
+        <a:font script="Cans" typeface="Euphemia"/>
+        <a:font script="Cher" typeface="Plantagenet Cherokee"/>
+        <a:font script="Yiii" typeface="Microsoft Yi Baiti"/>
+        <a:font script="Tibt" typeface="Microsoft Himalaya"/>
+        <a:font script="Thaa" typeface="MV Boli"/>
+        <a:font script="Deva" typeface="Mangal"/>
+        <a:font script="Telu" typeface="Gautami"/>
+        <a:font script="Taml" typeface="Latha"/>
+        <a:font script="Syrc" typeface="Estrangelo Edessa"/>
+        <a:font script="Orya" typeface="Kalinga"/>
+        <a:font script="Mlym" typeface="Kartika"/>
+        <a:font script="Laoo" typeface="DokChampa"/>
+        <a:font script="Sinh" typeface="Iskoola Pota"/>
+        <a:font script="Mong" typeface="Mongolian Baiti"/>
+        <a:font script="Viet" typeface="Times New Roman"/>
+        <a:font script="Uigh" typeface="Microsoft Uighur"/>
+        <a:font script="Geor" typeface="Sylfaen"/>
+      </a:majorFont>
+      <a:minorFont>
+        <a:latin typeface="Calibri" panose="020F0502020204030204"/>
+        <a:ea typeface=""/>
+        <a:cs typeface=""/>
+        <a:font script="Jpan" typeface="游ゴシック"/>
+        <a:font script="Hang" typeface="맑은 고딕"/>
+        <a:font script="Hans" typeface="等线"/>
+        <a:font script="Hant" typeface="新細明體"/>
+        <a:font script="Arab" typeface="Arial"/>
+        <a:font script="Hebr" typeface="Arial"/>
+        <a:font script="Thai" typeface="Cordia New"/>
+        <a:font script="Ethi" typeface="Nyala"/>
+        <a:font script="Beng" typeface="Vrinda"/>
+        <a:font script="Gujr" typeface="Shruti"/>
+        <a:font script="Khmr" typeface="DaunPenh"/>
+        <a:font script="Knda" typeface="Tunga"/>
+        <a:font script="Guru" typeface="Raavi"/>
+        <a:font script="Cans" typeface="Euphemia"/>
+        <a:font script="Cher" typeface="Plantagenet Cherokee"/>
+        <a:font script="Yiii" typeface="Microsoft Yi Baiti"/>
+        <a:font script="Tibt" typeface="Microsoft Himalaya"/>
+        <a:font script="Thaa" typeface="MV Boli"/>
+        <a:font script="Deva" typeface="Mangal"/>
+        <a:font script="Telu" typeface="Gautami"/>
+        <a:font script="Taml" typeface="Latha"/>
+        <a:font script="Syrc" typeface="Estrangelo Edessa"/>
+        <a:font script="Orya" typeface="Kalinga"/>
+        <a:font script="Mlym" typeface="Kartika"/>
+        <a:font script="Laoo" typeface="DokChampa"/>
+        <a:font script="Sinh" typeface="Iskoola Pota"/>
+        <a:font script="Mong" typeface="Mongolian Baiti"/>
+        <a:font script="Viet" typeface="Arial"/>
+        <a:font script="Uigh" typeface="Microsoft Uighur"/>
+        <a:font script="Geor" typeface="Sylfaen"/>
+      </a:minorFont>
+    </a:fontScheme>
+    <a:fmtScheme name="Стандартная">
+      <a:fillStyleLst>
+        <a:solidFill>
+          <a:schemeClr val="phClr"/>
+        </a:solidFill>
+        <a:gradFill rotWithShape="1">
+          <a:gsLst>
+            <a:gs pos="0">
+              <a:schemeClr val="phClr">
+                <a:lumMod val="110000"/>
+                <a:satMod val="105000"/>
+                <a:tint val="67000"/>
+              </a:schemeClr>
+            </a:gs>
+            <a:gs pos="50000">
+              <a:schemeClr val="phClr">
+                <a:lumMod val="105000"/>
+                <a:satMod val="103000"/>
+                <a:tint val="73000"/>
+              </a:schemeClr>
+            </a:gs>
+            <a:gs pos="100000">
+              <a:schemeClr val="phClr">
+                <a:lumMod val="105000"/>
+                <a:satMod val="109000"/>
+                <a:tint val="81000"/>
+              </a:schemeClr>
+            </a:gs>
+          </a:gsLst>
+          <a:lin ang="5400000" scaled="0"/>
+        </a:gradFill>
+        <a:gradFill rotWithShape="1">
+          <a:gsLst>
+            <a:gs pos="0">
+              <a:schemeClr val="phClr">
+                <a:satMod val="103000"/>
+                <a:lumMod val="102000"/>
+                <a:tint val="94000"/>
+              </a:schemeClr>
+            </a:gs>
+            <a:gs pos="50000">
+              <a:schemeClr val="phClr">
+                <a:satMod val="110000"/>
+                <a:lumMod val="100000"/>
+                <a:shade val="100000"/>
+              </a:schemeClr>
+            </a:gs>
+            <a:gs pos="100000">
+              <a:schemeClr val="phClr">
+                <a:lumMod val="99000"/>
+                <a:satMod val="120000"/>
+                <a:shade val="78000"/>
+              </a:schemeClr>
+            </a:gs>
+          </a:gsLst>
+          <a:lin ang="5400000" scaled="0"/>
+        </a:gradFill>
+      </a:fillStyleLst>
+      <a:lnStyleLst>
+        <a:ln w="6350" cap="flat" cmpd="sng" algn="ctr">
+          <a:solidFill>
+            <a:schemeClr val="phClr"/>
+          </a:solidFill>
+          <a:prstDash val="solid"/>
+          <a:miter lim="800000"/>
+        </a:ln>
+        <a:ln w="12700" cap="flat" cmpd="sng" algn="ctr">
+          <a:solidFill>
+            <a:schemeClr val="phClr"/>
+          </a:solidFill>
+          <a:prstDash val="solid"/>
+          <a:miter lim="800000"/>
+        </a:ln>
+        <a:ln w="19050" cap="flat" cmpd="sng" algn="ctr">
+          <a:solidFill>
+            <a:schemeClr val="phClr"/>
+          </a:solidFill>
+          <a:prstDash val="solid"/>
+          <a:miter lim="800000"/>
+        </a:ln>
+      </a:lnStyleLst>
+      <a:effectStyleLst>
+        <a:effectStyle>
+          <a:effectLst/>
+        </a:effectStyle>
+        <a:effectStyle>
+          <a:effectLst/>
+        </a:effectStyle>
+        <a:effectStyle>
+          <a:effectLst>
+            <a:outerShdw blurRad="57150" dist="19050" dir="5400000" algn="ctr" rotWithShape="0">
+              <a:srgbClr val="000000">
+                <a:alpha val="63000"/>
+              </a:srgbClr>
+            </a:outerShdw>
+          </a:effectLst>
+        </a:effectStyle>
+      </a:effectStyleLst>
+      <a:bgFillStyleLst>
+        <a:solidFill>
+          <a:schemeClr val="phClr"/>
+        </a:solidFill>
+        <a:solidFill>
+          <a:schemeClr val="phClr">
+            <a:tint val="95000"/>
+            <a:satMod val="170000"/>
+          </a:schemeClr>
+        </a:solidFill>
+        <a:gradFill rotWithShape="1">
+          <a:gsLst>
+            <a:gs pos="0">
+              <a:schemeClr val="phClr">
+                <a:tint val="93000"/>
+                <a:satMod val="150000"/>
+                <a:shade val="98000"/>
+                <a:lumMod val="102000"/>
+              </a:schemeClr>
+            </a:gs>
+            <a:gs pos="50000">
+              <a:schemeClr val="phClr">
+                <a:tint val="98000"/>
+                <a:satMod val="130000"/>
+                <a:shade val="90000"/>
+                <a:lumMod val="103000"/>
+              </a:schemeClr>
+            </a:gs>
+            <a:gs pos="100000">
+              <a:schemeClr val="phClr">
+                <a:shade val="63000"/>
+                <a:satMod val="120000"/>
+              </a:schemeClr>
+            </a:gs>
+          </a:gsLst>
+          <a:lin ang="5400000" scaled="0"/>
+        </a:gradFill>
+      </a:bgFillStyleLst>
+    </a:fmtScheme>
+  </a:themeElements>
+  <a:objectDefaults/>
+  <a:extraClrSchemeLst/>
+  <a:extLst>
+    <a:ext uri="{05A4C25C-085E-4340-85A3-A5531E510DB2}">
+      <thm15:themeFamily xmlns:thm15="http://schemas.microsoft.com/office/thememl/2012/main" name="Office Theme" id="{62F939B6-93AF-4DB8-9C6B-D6C7DFDC589F}" vid="{4A3C46E8-61CC-4603-A589-7422A47A8E4A}"/>
+    </a:ext>
+  </a:extLst>
+</a:theme>
 </file>